--- a/week02/05.Lists.pptx
+++ b/week02/05.Lists.pptx
@@ -50,7 +50,7 @@
   <p:notesSz cx="6858000" cy="9144000"/>
   <p:embeddedFontLst>
     <p:embeddedFont>
-      <p:font typeface="Cabin" panose="020B0604020202020204" charset="0"/>
+      <p:font typeface="Cabin" charset="0"/>
       <p:regular r:id="rId40"/>
       <p:bold r:id="rId41"/>
       <p:italic r:id="rId42"/>
@@ -422,6 +422,11 @@
         </p:txBody>
       </p:sp>
     </p:spTree>
+    <p:extLst>
+      <p:ext uri="{BB962C8B-B14F-4D97-AF65-F5344CB8AC3E}">
+        <p14:creationId xmlns:p14="http://schemas.microsoft.com/office/powerpoint/2010/main" val="223180271"/>
+      </p:ext>
+    </p:extLst>
   </p:cSld>
   <p:clrMap bg1="lt1" tx1="dk1" bg2="dk2" tx2="lt2" accent1="accent1" accent2="accent2" accent3="accent3" accent4="accent4" accent5="accent5" accent6="accent6" hlink="hlink" folHlink="folHlink"/>
   <p:notesStyle>
@@ -22064,11 +22069,7 @@
           <a:p>
             <a:r>
               <a:rPr lang="ru-RU" sz="4800" dirty="0" smtClean="0"/>
-              <a:t>Программирование </a:t>
-            </a:r>
-            <a:r>
-              <a:rPr lang="ru-RU" sz="4800" dirty="0" smtClean="0"/>
-              <a:t>на </a:t>
+              <a:t>Программирование на </a:t>
             </a:r>
             <a:r>
               <a:rPr lang="ru-RU" sz="4800" dirty="0" err="1" smtClean="0"/>
@@ -23940,6 +23941,14 @@
 <file path=ppt/slides/slide11.xml><?xml version="1.0" encoding="utf-8"?>
 <p:sld xmlns:a="http://schemas.openxmlformats.org/drawingml/2006/main" xmlns:r="http://schemas.openxmlformats.org/officeDocument/2006/relationships" xmlns:p="http://schemas.openxmlformats.org/presentationml/2006/main">
   <p:cSld>
+    <p:bg>
+      <p:bgPr>
+        <a:solidFill>
+          <a:schemeClr val="bg1"/>
+        </a:solidFill>
+        <a:effectLst/>
+      </p:bgPr>
+    </p:bg>
     <p:spTree>
       <p:nvGrpSpPr>
         <p:cNvPr id="1" name="Shape 241"/>
@@ -24001,21 +24010,33 @@
               <a:buNone/>
             </a:pPr>
             <a:r>
-              <a:rPr lang="en-US" sz="6400">
-                <a:solidFill>
-                  <a:srgbClr val="FFFF00"/>
-                </a:solidFill>
-                <a:latin typeface="Cabin"/>
-                <a:ea typeface="Cabin"/>
-                <a:cs typeface="Cabin"/>
-                <a:sym typeface="Cabin"/>
-              </a:rPr>
-              <a:t>Списки и</a:t>
-            </a:r>
-            <a:r>
-              <a:rPr lang="en-US" sz="6400" b="0" i="0" u="none" strike="noStrike" cap="none">
-                <a:solidFill>
-                  <a:srgbClr val="FFFF00"/>
+              <a:rPr lang="en-US" sz="6400" dirty="0" err="1">
+                <a:solidFill>
+                  <a:schemeClr val="bg2"/>
+                </a:solidFill>
+                <a:latin typeface="Cabin"/>
+                <a:ea typeface="Cabin"/>
+                <a:cs typeface="Cabin"/>
+                <a:sym typeface="Cabin"/>
+              </a:rPr>
+              <a:t>Списки</a:t>
+            </a:r>
+            <a:r>
+              <a:rPr lang="en-US" sz="6400" dirty="0">
+                <a:solidFill>
+                  <a:schemeClr val="bg2"/>
+                </a:solidFill>
+                <a:latin typeface="Cabin"/>
+                <a:ea typeface="Cabin"/>
+                <a:cs typeface="Cabin"/>
+                <a:sym typeface="Cabin"/>
+              </a:rPr>
+              <a:t> и</a:t>
+            </a:r>
+            <a:r>
+              <a:rPr lang="en-US" sz="6400" b="0" i="0" u="none" strike="noStrike" cap="none" dirty="0">
+                <a:solidFill>
+                  <a:schemeClr val="bg2"/>
                 </a:solidFill>
                 <a:latin typeface="Cabin"/>
                 <a:ea typeface="Cabin"/>
@@ -24025,21 +24046,45 @@
               <a:t> </a:t>
             </a:r>
             <a:r>
-              <a:rPr lang="en-US" sz="6400">
-                <a:solidFill>
-                  <a:srgbClr val="FFFF00"/>
-                </a:solidFill>
-                <a:latin typeface="Cabin"/>
-                <a:ea typeface="Cabin"/>
-                <a:cs typeface="Cabin"/>
-                <a:sym typeface="Cabin"/>
-              </a:rPr>
-              <a:t>определенные циклы</a:t>
-            </a:r>
-            <a:r>
-              <a:rPr lang="en-US" sz="6400" b="0" i="0" u="none" strike="noStrike" cap="none">
-                <a:solidFill>
-                  <a:srgbClr val="FFFF00"/>
+              <a:rPr lang="en-US" sz="6400" dirty="0" err="1">
+                <a:solidFill>
+                  <a:schemeClr val="bg2"/>
+                </a:solidFill>
+                <a:latin typeface="Cabin"/>
+                <a:ea typeface="Cabin"/>
+                <a:cs typeface="Cabin"/>
+                <a:sym typeface="Cabin"/>
+              </a:rPr>
+              <a:t>определенные</a:t>
+            </a:r>
+            <a:r>
+              <a:rPr lang="en-US" sz="6400" dirty="0">
+                <a:solidFill>
+                  <a:schemeClr val="bg2"/>
+                </a:solidFill>
+                <a:latin typeface="Cabin"/>
+                <a:ea typeface="Cabin"/>
+                <a:cs typeface="Cabin"/>
+                <a:sym typeface="Cabin"/>
+              </a:rPr>
+              <a:t> </a:t>
+            </a:r>
+            <a:r>
+              <a:rPr lang="en-US" sz="6400" dirty="0" err="1">
+                <a:solidFill>
+                  <a:schemeClr val="bg2"/>
+                </a:solidFill>
+                <a:latin typeface="Cabin"/>
+                <a:ea typeface="Cabin"/>
+                <a:cs typeface="Cabin"/>
+                <a:sym typeface="Cabin"/>
+              </a:rPr>
+              <a:t>циклы</a:t>
+            </a:r>
+            <a:r>
+              <a:rPr lang="en-US" sz="6400" b="0" i="0" u="none" strike="noStrike" cap="none" dirty="0">
+                <a:solidFill>
+                  <a:schemeClr val="bg2"/>
                 </a:solidFill>
                 <a:latin typeface="Cabin"/>
                 <a:ea typeface="Cabin"/>
@@ -24049,17 +24094,50 @@
               <a:t> - </a:t>
             </a:r>
             <a:r>
-              <a:rPr lang="en-US" sz="6400">
-                <a:solidFill>
-                  <a:srgbClr val="FFFF00"/>
-                </a:solidFill>
-                <a:latin typeface="Cabin"/>
-                <a:ea typeface="Cabin"/>
-                <a:cs typeface="Cabin"/>
-                <a:sym typeface="Cabin"/>
-              </a:rPr>
-              <a:t>лучшие друзья</a:t>
-            </a:r>
+              <a:rPr lang="en-US" sz="6400" dirty="0" err="1">
+                <a:solidFill>
+                  <a:schemeClr val="bg2"/>
+                </a:solidFill>
+                <a:latin typeface="Cabin"/>
+                <a:ea typeface="Cabin"/>
+                <a:cs typeface="Cabin"/>
+                <a:sym typeface="Cabin"/>
+              </a:rPr>
+              <a:t>лучшие</a:t>
+            </a:r>
+            <a:r>
+              <a:rPr lang="en-US" sz="6400" dirty="0">
+                <a:solidFill>
+                  <a:schemeClr val="bg2"/>
+                </a:solidFill>
+                <a:latin typeface="Cabin"/>
+                <a:ea typeface="Cabin"/>
+                <a:cs typeface="Cabin"/>
+                <a:sym typeface="Cabin"/>
+              </a:rPr>
+              <a:t> </a:t>
+            </a:r>
+            <a:r>
+              <a:rPr lang="en-US" sz="6400" dirty="0" err="1">
+                <a:solidFill>
+                  <a:schemeClr val="bg2"/>
+                </a:solidFill>
+                <a:latin typeface="Cabin"/>
+                <a:ea typeface="Cabin"/>
+                <a:cs typeface="Cabin"/>
+                <a:sym typeface="Cabin"/>
+              </a:rPr>
+              <a:t>друзья</a:t>
+            </a:r>
+            <a:endParaRPr lang="en-US" sz="6400" dirty="0">
+              <a:solidFill>
+                <a:schemeClr val="bg2"/>
+              </a:solidFill>
+              <a:latin typeface="Cabin"/>
+              <a:ea typeface="Cabin"/>
+              <a:cs typeface="Cabin"/>
+              <a:sym typeface="Cabin"/>
+            </a:endParaRPr>
           </a:p>
         </p:txBody>
       </p:sp>
@@ -24071,8 +24149,8 @@
         </p:nvSpPr>
         <p:spPr>
           <a:xfrm>
-            <a:off x="1850625" y="3208850"/>
-            <a:ext cx="7280400" cy="2216099"/>
+            <a:off x="1850624" y="3208850"/>
+            <a:ext cx="7514601" cy="2216099"/>
           </a:xfrm>
           <a:prstGeom prst="rect">
             <a:avLst/>
@@ -24106,7 +24184,7 @@
               <a:buNone/>
             </a:pPr>
             <a:r>
-              <a:rPr lang="en-US" sz="2400" b="0" i="0" u="none" strike="noStrike" cap="none">
+              <a:rPr lang="en-US" sz="2400" b="0" i="0" u="none" strike="noStrike" cap="none" dirty="0">
                 <a:solidFill>
                   <a:srgbClr val="00FF00"/>
                 </a:solidFill>
@@ -24118,7 +24196,7 @@
               <a:t>friends</a:t>
             </a:r>
             <a:r>
-              <a:rPr lang="en-US" sz="2400" b="0" i="0" u="none" strike="noStrike" cap="none">
+              <a:rPr lang="en-US" sz="2400" b="0" i="0" u="none" strike="noStrike" cap="none" dirty="0">
                 <a:solidFill>
                   <a:schemeClr val="lt1"/>
                 </a:solidFill>
@@ -24130,7 +24208,7 @@
               <a:t> = </a:t>
             </a:r>
             <a:r>
-              <a:rPr lang="en-US" sz="2400" b="0" i="0" u="none" strike="noStrike" cap="none">
+              <a:rPr lang="en-US" sz="2400" b="0" i="0" u="none" strike="noStrike" cap="none" dirty="0">
                 <a:solidFill>
                   <a:srgbClr val="FF7F00"/>
                 </a:solidFill>
@@ -24161,19 +24239,31 @@
               <a:buNone/>
             </a:pPr>
             <a:r>
-              <a:rPr lang="en-US" sz="2400" b="0" i="0" u="none" strike="noStrike" cap="none">
-                <a:solidFill>
-                  <a:srgbClr val="FFFF00"/>
-                </a:solidFill>
-                <a:latin typeface="Courier New"/>
-                <a:ea typeface="Courier New"/>
-                <a:cs typeface="Courier New"/>
-                <a:sym typeface="Courier New"/>
-              </a:rPr>
-              <a:t>for</a:t>
-            </a:r>
-            <a:r>
-              <a:rPr lang="en-US" sz="2400" b="0" i="0" u="none" strike="noStrike" cap="none">
+              <a:rPr lang="en-US" sz="2400" b="0" i="0" u="none" strike="noStrike" cap="none" dirty="0">
+                <a:solidFill>
+                  <a:schemeClr val="bg2"/>
+                </a:solidFill>
+                <a:latin typeface="Courier New"/>
+                <a:ea typeface="Courier New"/>
+                <a:cs typeface="Courier New"/>
+                <a:sym typeface="Courier New"/>
+              </a:rPr>
+              <a:t>for </a:t>
+            </a:r>
+            <a:r>
+              <a:rPr lang="en-US" sz="2400" b="0" i="0" u="none" strike="noStrike" cap="none" dirty="0">
+                <a:solidFill>
+                  <a:srgbClr val="00FF00"/>
+                </a:solidFill>
+                <a:latin typeface="Courier New"/>
+                <a:ea typeface="Courier New"/>
+                <a:cs typeface="Courier New"/>
+                <a:sym typeface="Courier New"/>
+              </a:rPr>
+              <a:t>friend</a:t>
+            </a:r>
+            <a:r>
+              <a:rPr lang="en-US" sz="2400" b="0" i="0" u="none" strike="noStrike" cap="none" dirty="0">
                 <a:solidFill>
                   <a:schemeClr val="lt1"/>
                 </a:solidFill>
@@ -24185,7 +24275,19 @@
               <a:t> </a:t>
             </a:r>
             <a:r>
-              <a:rPr lang="en-US" sz="2400" b="0" i="0" u="none" strike="noStrike" cap="none">
+              <a:rPr lang="en-US" sz="2400" b="0" i="0" u="none" strike="noStrike" cap="none" dirty="0">
+                <a:solidFill>
+                  <a:schemeClr val="bg2"/>
+                </a:solidFill>
+                <a:latin typeface="Courier New"/>
+                <a:ea typeface="Courier New"/>
+                <a:cs typeface="Courier New"/>
+                <a:sym typeface="Courier New"/>
+              </a:rPr>
+              <a:t>in </a:t>
+            </a:r>
+            <a:r>
+              <a:rPr lang="en-US" sz="2400" b="0" i="0" u="none" strike="noStrike" cap="none" dirty="0">
                 <a:solidFill>
                   <a:srgbClr val="00FF00"/>
                 </a:solidFill>
@@ -24194,89 +24296,30 @@
                 <a:cs typeface="Courier New"/>
                 <a:sym typeface="Courier New"/>
               </a:rPr>
-              <a:t>friend</a:t>
-            </a:r>
-            <a:r>
-              <a:rPr lang="en-US" sz="2400" b="0" i="0" u="none" strike="noStrike" cap="none">
-                <a:solidFill>
-                  <a:schemeClr val="lt1"/>
-                </a:solidFill>
-                <a:latin typeface="Courier New"/>
-                <a:ea typeface="Courier New"/>
-                <a:cs typeface="Courier New"/>
-                <a:sym typeface="Courier New"/>
-              </a:rPr>
-              <a:t> </a:t>
-            </a:r>
-            <a:r>
-              <a:rPr lang="en-US" sz="2400" b="0" i="0" u="none" strike="noStrike" cap="none">
-                <a:solidFill>
-                  <a:srgbClr val="FFFF00"/>
-                </a:solidFill>
-                <a:latin typeface="Courier New"/>
-                <a:ea typeface="Courier New"/>
-                <a:cs typeface="Courier New"/>
-                <a:sym typeface="Courier New"/>
-              </a:rPr>
-              <a:t>in</a:t>
-            </a:r>
-            <a:r>
-              <a:rPr lang="en-US" sz="2400" b="0" i="0" u="none" strike="noStrike" cap="none">
-                <a:solidFill>
-                  <a:schemeClr val="lt1"/>
-                </a:solidFill>
-                <a:latin typeface="Courier New"/>
-                <a:ea typeface="Courier New"/>
-                <a:cs typeface="Courier New"/>
-                <a:sym typeface="Courier New"/>
-              </a:rPr>
-              <a:t> </a:t>
-            </a:r>
-            <a:r>
-              <a:rPr lang="en-US" sz="2400" b="0" i="0" u="none" strike="noStrike" cap="none">
-                <a:solidFill>
-                  <a:srgbClr val="00FF00"/>
-                </a:solidFill>
-                <a:latin typeface="Courier New"/>
-                <a:ea typeface="Courier New"/>
-                <a:cs typeface="Courier New"/>
-                <a:sym typeface="Courier New"/>
-              </a:rPr>
-              <a:t>friends </a:t>
-            </a:r>
-            <a:r>
-              <a:rPr lang="en-US" sz="2400" b="0" i="0" u="none" strike="noStrike" cap="none">
-                <a:solidFill>
-                  <a:schemeClr val="lt1"/>
-                </a:solidFill>
-                <a:latin typeface="Courier New"/>
-                <a:ea typeface="Courier New"/>
-                <a:cs typeface="Courier New"/>
-                <a:sym typeface="Courier New"/>
-              </a:rPr>
-              <a:t>:</a:t>
+              <a:t>friends</a:t>
+            </a:r>
+            <a:r>
+              <a:rPr lang="en-US" sz="2400" b="0" i="0" u="none" strike="noStrike" cap="none" dirty="0">
+                <a:solidFill>
+                  <a:schemeClr val="bg2"/>
+                </a:solidFill>
+                <a:latin typeface="Courier New"/>
+                <a:ea typeface="Courier New"/>
+                <a:cs typeface="Courier New"/>
+                <a:sym typeface="Courier New"/>
+              </a:rPr>
+              <a:t> :</a:t>
             </a:r>
           </a:p>
           <a:p>
-            <a:pPr marL="0" marR="0" lvl="0" indent="0" algn="l" rtl="0">
-              <a:lnSpc>
-                <a:spcPct val="100000"/>
-              </a:lnSpc>
-              <a:spcBef>
-                <a:spcPts val="0"/>
-              </a:spcBef>
-              <a:spcAft>
-                <a:spcPts val="0"/>
-              </a:spcAft>
+            <a:pPr lvl="0">
               <a:buClr>
                 <a:schemeClr val="lt1"/>
               </a:buClr>
               <a:buSzPct val="25000"/>
-              <a:buFont typeface="Cabin"/>
-              <a:buNone/>
             </a:pPr>
             <a:r>
-              <a:rPr lang="en-US" sz="2400" b="0" i="0" u="none" strike="noStrike" cap="none">
+              <a:rPr lang="en-US" sz="2400" b="0" i="0" u="none" strike="noStrike" cap="none" dirty="0">
                 <a:solidFill>
                   <a:schemeClr val="lt1"/>
                 </a:solidFill>
@@ -24288,19 +24331,55 @@
               <a:t>    </a:t>
             </a:r>
             <a:r>
-              <a:rPr lang="en-US" sz="2400" b="0" i="0" u="none" strike="noStrike" cap="none">
-                <a:solidFill>
-                  <a:srgbClr val="FFFF00"/>
-                </a:solidFill>
-                <a:latin typeface="Courier New"/>
-                <a:ea typeface="Courier New"/>
-                <a:cs typeface="Courier New"/>
-                <a:sym typeface="Courier New"/>
-              </a:rPr>
-              <a:t>print</a:t>
-            </a:r>
-            <a:r>
-              <a:rPr lang="en-US" sz="2400" b="0" i="0" u="none" strike="noStrike" cap="none">
+              <a:rPr lang="en-US" sz="2400" b="0" i="0" u="none" strike="noStrike" cap="none" dirty="0" smtClean="0">
+                <a:solidFill>
+                  <a:schemeClr val="bg2"/>
+                </a:solidFill>
+                <a:latin typeface="Courier New"/>
+                <a:ea typeface="Courier New"/>
+                <a:cs typeface="Courier New"/>
+                <a:sym typeface="Courier New"/>
+              </a:rPr>
+              <a:t>print (</a:t>
+            </a:r>
+            <a:r>
+              <a:rPr lang="en-US" sz="2400" b="0" i="0" u="none" strike="noStrike" cap="none" dirty="0" smtClean="0">
+                <a:solidFill>
+                  <a:srgbClr val="FF7F00"/>
+                </a:solidFill>
+                <a:latin typeface="Courier New"/>
+                <a:ea typeface="Courier New"/>
+                <a:cs typeface="Courier New"/>
+                <a:sym typeface="Courier New"/>
+              </a:rPr>
+              <a:t>'Happy </a:t>
+            </a:r>
+            <a:r>
+              <a:rPr lang="en-US" sz="2400" b="0" i="0" u="none" strike="noStrike" cap="none" dirty="0">
+                <a:solidFill>
+                  <a:srgbClr val="FF7F00"/>
+                </a:solidFill>
+                <a:latin typeface="Courier New"/>
+                <a:ea typeface="Courier New"/>
+                <a:cs typeface="Courier New"/>
+                <a:sym typeface="Courier New"/>
+              </a:rPr>
+              <a:t>New Year:'</a:t>
+            </a:r>
+            <a:r>
+              <a:rPr lang="en-US" sz="2400" b="0" i="0" u="none" strike="noStrike" cap="none" dirty="0">
+                <a:solidFill>
+                  <a:schemeClr val="bg2"/>
+                </a:solidFill>
+                <a:latin typeface="Courier New"/>
+                <a:ea typeface="Courier New"/>
+                <a:cs typeface="Courier New"/>
+                <a:sym typeface="Courier New"/>
+              </a:rPr>
+              <a:t>, </a:t>
+            </a:r>
+            <a:r>
+              <a:rPr lang="en-US" sz="2400" b="0" i="0" u="none" strike="noStrike" cap="none" dirty="0">
                 <a:solidFill>
                   <a:schemeClr val="lt1"/>
                 </a:solidFill>
@@ -24312,31 +24391,7 @@
               <a:t> </a:t>
             </a:r>
             <a:r>
-              <a:rPr lang="en-US" sz="2400" b="0" i="0" u="none" strike="noStrike" cap="none">
-                <a:solidFill>
-                  <a:srgbClr val="FF7F00"/>
-                </a:solidFill>
-                <a:latin typeface="Courier New"/>
-                <a:ea typeface="Courier New"/>
-                <a:cs typeface="Courier New"/>
-                <a:sym typeface="Courier New"/>
-              </a:rPr>
-              <a:t>'Happy New Year:'</a:t>
-            </a:r>
-            <a:r>
-              <a:rPr lang="en-US" sz="2400" b="0" i="0" u="none" strike="noStrike" cap="none">
-                <a:solidFill>
-                  <a:schemeClr val="lt1"/>
-                </a:solidFill>
-                <a:latin typeface="Courier New"/>
-                <a:ea typeface="Courier New"/>
-                <a:cs typeface="Courier New"/>
-                <a:sym typeface="Courier New"/>
-              </a:rPr>
-              <a:t>,  </a:t>
-            </a:r>
-            <a:r>
-              <a:rPr lang="en-US" sz="2400" b="0" i="0" u="none" strike="noStrike" cap="none">
+              <a:rPr lang="en-US" sz="2400" b="0" i="0" u="none" strike="noStrike" cap="none" dirty="0" smtClean="0">
                 <a:solidFill>
                   <a:srgbClr val="00FF00"/>
                 </a:solidFill>
@@ -24347,51 +24402,61 @@
               </a:rPr>
               <a:t>friend</a:t>
             </a:r>
+            <a:r>
+              <a:rPr lang="en-US" sz="2400" dirty="0">
+                <a:solidFill>
+                  <a:schemeClr val="bg2"/>
+                </a:solidFill>
+                <a:latin typeface="Courier New"/>
+                <a:ea typeface="Courier New"/>
+                <a:cs typeface="Courier New"/>
+                <a:sym typeface="Courier New"/>
+              </a:rPr>
+              <a:t>)</a:t>
+            </a:r>
+            <a:endParaRPr lang="en-US" sz="2400" b="0" i="0" u="none" strike="noStrike" cap="none" dirty="0">
+              <a:solidFill>
+                <a:srgbClr val="00FF00"/>
+              </a:solidFill>
+              <a:latin typeface="Courier New"/>
+              <a:ea typeface="Courier New"/>
+              <a:cs typeface="Courier New"/>
+              <a:sym typeface="Courier New"/>
+            </a:endParaRPr>
           </a:p>
           <a:p>
-            <a:pPr marL="0" marR="0" lvl="0" indent="0" algn="l" rtl="0">
-              <a:lnSpc>
-                <a:spcPct val="100000"/>
-              </a:lnSpc>
-              <a:spcBef>
-                <a:spcPts val="0"/>
-              </a:spcBef>
-              <a:spcAft>
-                <a:spcPts val="0"/>
-              </a:spcAft>
+            <a:pPr lvl="0">
               <a:buClr>
                 <a:srgbClr val="FFFF00"/>
               </a:buClr>
               <a:buSzPct val="25000"/>
-              <a:buFont typeface="Cabin"/>
-              <a:buNone/>
             </a:pPr>
             <a:r>
-              <a:rPr lang="en-US" sz="2400" b="0" i="0" u="none" strike="noStrike" cap="none">
-                <a:solidFill>
-                  <a:srgbClr val="FFFF00"/>
-                </a:solidFill>
-                <a:latin typeface="Courier New"/>
-                <a:ea typeface="Courier New"/>
-                <a:cs typeface="Courier New"/>
-                <a:sym typeface="Courier New"/>
-              </a:rPr>
-              <a:t>print</a:t>
-            </a:r>
-            <a:r>
-              <a:rPr lang="en-US" sz="2400" b="0" i="0" u="none" strike="noStrike" cap="none">
-                <a:solidFill>
-                  <a:schemeClr val="lt1"/>
-                </a:solidFill>
-                <a:latin typeface="Courier New"/>
-                <a:ea typeface="Courier New"/>
-                <a:cs typeface="Courier New"/>
-                <a:sym typeface="Courier New"/>
-              </a:rPr>
-              <a:t> </a:t>
-            </a:r>
-            <a:r>
-              <a:rPr lang="en-US" sz="2400" b="0" i="0" u="none" strike="noStrike" cap="none">
+              <a:rPr lang="en-US" sz="2400" b="0" i="0" u="none" strike="noStrike" cap="none" dirty="0">
+                <a:solidFill>
+                  <a:schemeClr val="bg2"/>
+                </a:solidFill>
+                <a:latin typeface="Courier New"/>
+                <a:ea typeface="Courier New"/>
+                <a:cs typeface="Courier New"/>
+                <a:sym typeface="Courier New"/>
+              </a:rPr>
+              <a:t>print </a:t>
+            </a:r>
+            <a:r>
+              <a:rPr lang="en-US" sz="2400" b="0" i="0" u="none" strike="noStrike" cap="none" dirty="0" smtClean="0">
+                <a:solidFill>
+                  <a:schemeClr val="bg2"/>
+                </a:solidFill>
+                <a:latin typeface="Courier New"/>
+                <a:ea typeface="Courier New"/>
+                <a:cs typeface="Courier New"/>
+                <a:sym typeface="Courier New"/>
+              </a:rPr>
+              <a:t>(</a:t>
+            </a:r>
+            <a:r>
+              <a:rPr lang="en-US" sz="2400" b="0" i="0" u="none" strike="noStrike" cap="none" dirty="0" smtClean="0">
                 <a:solidFill>
                   <a:srgbClr val="FF7F00"/>
                 </a:solidFill>
@@ -24402,6 +24467,27 @@
               </a:rPr>
               <a:t>'Done!'</a:t>
             </a:r>
+            <a:r>
+              <a:rPr lang="en-US" sz="2400" dirty="0">
+                <a:solidFill>
+                  <a:schemeClr val="bg2"/>
+                </a:solidFill>
+                <a:latin typeface="Courier New"/>
+                <a:ea typeface="Courier New"/>
+                <a:cs typeface="Courier New"/>
+                <a:sym typeface="Courier New"/>
+              </a:rPr>
+              <a:t>)</a:t>
+            </a:r>
+            <a:endParaRPr lang="en-US" sz="2400" b="0" i="0" u="none" strike="noStrike" cap="none" dirty="0">
+              <a:solidFill>
+                <a:srgbClr val="FF7F00"/>
+              </a:solidFill>
+              <a:latin typeface="Courier New"/>
+              <a:ea typeface="Courier New"/>
+              <a:cs typeface="Courier New"/>
+              <a:sym typeface="Courier New"/>
+            </a:endParaRPr>
           </a:p>
         </p:txBody>
       </p:sp>
@@ -24644,6 +24730,14 @@
 <file path=ppt/slides/slide12.xml><?xml version="1.0" encoding="utf-8"?>
 <p:sld xmlns:a="http://schemas.openxmlformats.org/drawingml/2006/main" xmlns:r="http://schemas.openxmlformats.org/officeDocument/2006/relationships" xmlns:p="http://schemas.openxmlformats.org/presentationml/2006/main">
   <p:cSld>
+    <p:bg>
+      <p:bgPr>
+        <a:solidFill>
+          <a:schemeClr val="bg1"/>
+        </a:solidFill>
+        <a:effectLst/>
+      </p:bgPr>
+    </p:bg>
     <p:spTree>
       <p:nvGrpSpPr>
         <p:cNvPr id="1" name="Shape 251"/>
@@ -24755,19 +24849,79 @@
               <a:buNone/>
             </a:pPr>
             <a:r>
-              <a:rPr lang="en-US" sz="3600">
-                <a:solidFill>
-                  <a:schemeClr val="lt1"/>
-                </a:solidFill>
-                <a:latin typeface="Cabin"/>
-                <a:ea typeface="Cabin"/>
-                <a:cs typeface="Cabin"/>
-                <a:sym typeface="Cabin"/>
-              </a:rPr>
-              <a:t>При указании индекса в </a:t>
-            </a:r>
-            <a:r>
-              <a:rPr lang="en-US" sz="3600">
+              <a:rPr lang="en-US" sz="3600" dirty="0" err="1">
+                <a:solidFill>
+                  <a:schemeClr val="bg2"/>
+                </a:solidFill>
+                <a:latin typeface="Cabin"/>
+                <a:ea typeface="Cabin"/>
+                <a:cs typeface="Cabin"/>
+                <a:sym typeface="Cabin"/>
+              </a:rPr>
+              <a:t>При</a:t>
+            </a:r>
+            <a:r>
+              <a:rPr lang="en-US" sz="3600" dirty="0">
+                <a:solidFill>
+                  <a:schemeClr val="bg2"/>
+                </a:solidFill>
+                <a:latin typeface="Cabin"/>
+                <a:ea typeface="Cabin"/>
+                <a:cs typeface="Cabin"/>
+                <a:sym typeface="Cabin"/>
+              </a:rPr>
+              <a:t> </a:t>
+            </a:r>
+            <a:r>
+              <a:rPr lang="en-US" sz="3600" dirty="0" err="1">
+                <a:solidFill>
+                  <a:schemeClr val="bg2"/>
+                </a:solidFill>
+                <a:latin typeface="Cabin"/>
+                <a:ea typeface="Cabin"/>
+                <a:cs typeface="Cabin"/>
+                <a:sym typeface="Cabin"/>
+              </a:rPr>
+              <a:t>указании</a:t>
+            </a:r>
+            <a:r>
+              <a:rPr lang="en-US" sz="3600" dirty="0">
+                <a:solidFill>
+                  <a:schemeClr val="bg2"/>
+                </a:solidFill>
+                <a:latin typeface="Cabin"/>
+                <a:ea typeface="Cabin"/>
+                <a:cs typeface="Cabin"/>
+                <a:sym typeface="Cabin"/>
+              </a:rPr>
+              <a:t> </a:t>
+            </a:r>
+            <a:r>
+              <a:rPr lang="en-US" sz="3600" dirty="0" err="1">
+                <a:solidFill>
+                  <a:schemeClr val="bg2"/>
+                </a:solidFill>
+                <a:latin typeface="Cabin"/>
+                <a:ea typeface="Cabin"/>
+                <a:cs typeface="Cabin"/>
+                <a:sym typeface="Cabin"/>
+              </a:rPr>
+              <a:t>индекса</a:t>
+            </a:r>
+            <a:r>
+              <a:rPr lang="en-US" sz="3600" dirty="0">
+                <a:solidFill>
+                  <a:schemeClr val="bg2"/>
+                </a:solidFill>
+                <a:latin typeface="Cabin"/>
+                <a:ea typeface="Cabin"/>
+                <a:cs typeface="Cabin"/>
+                <a:sym typeface="Cabin"/>
+              </a:rPr>
+              <a:t> в </a:t>
+            </a:r>
+            <a:r>
+              <a:rPr lang="en-US" sz="3600" dirty="0" err="1">
                 <a:solidFill>
                   <a:srgbClr val="00FFFF"/>
                 </a:solidFill>
@@ -24776,10 +24930,46 @@
                 <a:cs typeface="Cabin"/>
                 <a:sym typeface="Cabin"/>
               </a:rPr>
-              <a:t>квадратных скобках </a:t>
-            </a:r>
-            <a:r>
-              <a:rPr lang="en-US">
+              <a:t>квадратных</a:t>
+            </a:r>
+            <a:r>
+              <a:rPr lang="en-US" sz="3600" dirty="0">
+                <a:solidFill>
+                  <a:srgbClr val="00FFFF"/>
+                </a:solidFill>
+                <a:latin typeface="Cabin"/>
+                <a:ea typeface="Cabin"/>
+                <a:cs typeface="Cabin"/>
+                <a:sym typeface="Cabin"/>
+              </a:rPr>
+              <a:t> </a:t>
+            </a:r>
+            <a:r>
+              <a:rPr lang="en-US" sz="3600" dirty="0" err="1">
+                <a:solidFill>
+                  <a:srgbClr val="00FFFF"/>
+                </a:solidFill>
+                <a:latin typeface="Cabin"/>
+                <a:ea typeface="Cabin"/>
+                <a:cs typeface="Cabin"/>
+                <a:sym typeface="Cabin"/>
+              </a:rPr>
+              <a:t>скобках</a:t>
+            </a:r>
+            <a:r>
+              <a:rPr lang="en-US" sz="3600" dirty="0">
+                <a:solidFill>
+                  <a:srgbClr val="00FFFF"/>
+                </a:solidFill>
+                <a:latin typeface="Cabin"/>
+                <a:ea typeface="Cabin"/>
+                <a:cs typeface="Cabin"/>
+                <a:sym typeface="Cabin"/>
+              </a:rPr>
+              <a:t> </a:t>
+            </a:r>
+            <a:r>
+              <a:rPr lang="en-US" dirty="0">
                 <a:solidFill>
                   <a:schemeClr val="dk2"/>
                 </a:solidFill>
@@ -24787,17 +24977,178 @@
               <a:t> </a:t>
             </a:r>
             <a:r>
-              <a:rPr lang="en-US" sz="3600">
-                <a:solidFill>
-                  <a:schemeClr val="lt1"/>
-                </a:solidFill>
-                <a:latin typeface="Cabin"/>
-                <a:ea typeface="Cabin"/>
-                <a:cs typeface="Cabin"/>
-                <a:sym typeface="Cabin"/>
-              </a:rPr>
-              <a:t>мы можем получить любой элемент списка, точно так же, как и элемент строки</a:t>
-            </a:r>
+              <a:rPr lang="en-US" sz="3600" dirty="0" err="1">
+                <a:solidFill>
+                  <a:schemeClr val="bg2"/>
+                </a:solidFill>
+                <a:latin typeface="Cabin"/>
+                <a:ea typeface="Cabin"/>
+                <a:cs typeface="Cabin"/>
+                <a:sym typeface="Cabin"/>
+              </a:rPr>
+              <a:t>мы</a:t>
+            </a:r>
+            <a:r>
+              <a:rPr lang="en-US" sz="3600" dirty="0">
+                <a:solidFill>
+                  <a:schemeClr val="bg2"/>
+                </a:solidFill>
+                <a:latin typeface="Cabin"/>
+                <a:ea typeface="Cabin"/>
+                <a:cs typeface="Cabin"/>
+                <a:sym typeface="Cabin"/>
+              </a:rPr>
+              <a:t> </a:t>
+            </a:r>
+            <a:r>
+              <a:rPr lang="en-US" sz="3600" dirty="0" err="1">
+                <a:solidFill>
+                  <a:schemeClr val="bg2"/>
+                </a:solidFill>
+                <a:latin typeface="Cabin"/>
+                <a:ea typeface="Cabin"/>
+                <a:cs typeface="Cabin"/>
+                <a:sym typeface="Cabin"/>
+              </a:rPr>
+              <a:t>можем</a:t>
+            </a:r>
+            <a:r>
+              <a:rPr lang="en-US" sz="3600" dirty="0">
+                <a:solidFill>
+                  <a:schemeClr val="bg2"/>
+                </a:solidFill>
+                <a:latin typeface="Cabin"/>
+                <a:ea typeface="Cabin"/>
+                <a:cs typeface="Cabin"/>
+                <a:sym typeface="Cabin"/>
+              </a:rPr>
+              <a:t> </a:t>
+            </a:r>
+            <a:r>
+              <a:rPr lang="en-US" sz="3600" dirty="0" err="1">
+                <a:solidFill>
+                  <a:schemeClr val="bg2"/>
+                </a:solidFill>
+                <a:latin typeface="Cabin"/>
+                <a:ea typeface="Cabin"/>
+                <a:cs typeface="Cabin"/>
+                <a:sym typeface="Cabin"/>
+              </a:rPr>
+              <a:t>получить</a:t>
+            </a:r>
+            <a:r>
+              <a:rPr lang="en-US" sz="3600" dirty="0">
+                <a:solidFill>
+                  <a:schemeClr val="bg2"/>
+                </a:solidFill>
+                <a:latin typeface="Cabin"/>
+                <a:ea typeface="Cabin"/>
+                <a:cs typeface="Cabin"/>
+                <a:sym typeface="Cabin"/>
+              </a:rPr>
+              <a:t> </a:t>
+            </a:r>
+            <a:r>
+              <a:rPr lang="en-US" sz="3600" dirty="0" err="1">
+                <a:solidFill>
+                  <a:schemeClr val="bg2"/>
+                </a:solidFill>
+                <a:latin typeface="Cabin"/>
+                <a:ea typeface="Cabin"/>
+                <a:cs typeface="Cabin"/>
+                <a:sym typeface="Cabin"/>
+              </a:rPr>
+              <a:t>любой</a:t>
+            </a:r>
+            <a:r>
+              <a:rPr lang="en-US" sz="3600" dirty="0">
+                <a:solidFill>
+                  <a:schemeClr val="bg2"/>
+                </a:solidFill>
+                <a:latin typeface="Cabin"/>
+                <a:ea typeface="Cabin"/>
+                <a:cs typeface="Cabin"/>
+                <a:sym typeface="Cabin"/>
+              </a:rPr>
+              <a:t> </a:t>
+            </a:r>
+            <a:r>
+              <a:rPr lang="en-US" sz="3600" dirty="0" err="1">
+                <a:solidFill>
+                  <a:schemeClr val="bg2"/>
+                </a:solidFill>
+                <a:latin typeface="Cabin"/>
+                <a:ea typeface="Cabin"/>
+                <a:cs typeface="Cabin"/>
+                <a:sym typeface="Cabin"/>
+              </a:rPr>
+              <a:t>элемент</a:t>
+            </a:r>
+            <a:r>
+              <a:rPr lang="en-US" sz="3600" dirty="0">
+                <a:solidFill>
+                  <a:schemeClr val="bg2"/>
+                </a:solidFill>
+                <a:latin typeface="Cabin"/>
+                <a:ea typeface="Cabin"/>
+                <a:cs typeface="Cabin"/>
+                <a:sym typeface="Cabin"/>
+              </a:rPr>
+              <a:t> </a:t>
+            </a:r>
+            <a:r>
+              <a:rPr lang="en-US" sz="3600" dirty="0" err="1" smtClean="0">
+                <a:solidFill>
+                  <a:schemeClr val="bg2"/>
+                </a:solidFill>
+                <a:latin typeface="Cabin"/>
+                <a:ea typeface="Cabin"/>
+                <a:cs typeface="Cabin"/>
+                <a:sym typeface="Cabin"/>
+              </a:rPr>
+              <a:t>списка</a:t>
+            </a:r>
+            <a:r>
+              <a:rPr lang="en-US" sz="3600" dirty="0" smtClean="0">
+                <a:solidFill>
+                  <a:schemeClr val="bg2"/>
+                </a:solidFill>
+                <a:latin typeface="Cabin"/>
+                <a:ea typeface="Cabin"/>
+                <a:cs typeface="Cabin"/>
+                <a:sym typeface="Cabin"/>
+              </a:rPr>
+              <a:t>.</a:t>
+            </a:r>
+          </a:p>
+          <a:p>
+            <a:pPr marL="0" lvl="0" indent="0" rtl="0">
+              <a:spcBef>
+                <a:spcPts val="0"/>
+              </a:spcBef>
+              <a:buNone/>
+            </a:pPr>
+            <a:r>
+              <a:rPr lang="ru-RU" sz="3600" dirty="0" smtClean="0">
+                <a:solidFill>
+                  <a:schemeClr val="bg2"/>
+                </a:solidFill>
+                <a:latin typeface="Cabin"/>
+                <a:ea typeface="Cabin"/>
+                <a:cs typeface="Cabin"/>
+                <a:sym typeface="Cabin"/>
+              </a:rPr>
+              <a:t>Индекс первого элемента равен нулю!</a:t>
+            </a:r>
+            <a:endParaRPr lang="en-US" sz="3600" dirty="0">
+              <a:solidFill>
+                <a:schemeClr val="bg2"/>
+              </a:solidFill>
+              <a:latin typeface="Cabin"/>
+              <a:ea typeface="Cabin"/>
+              <a:cs typeface="Cabin"/>
+              <a:sym typeface="Cabin"/>
+            </a:endParaRPr>
           </a:p>
         </p:txBody>
       </p:sp>
@@ -24934,9 +25285,9 @@
               <a:buNone/>
             </a:pPr>
             <a:r>
-              <a:rPr lang="en-US" sz="4000" b="0" i="0" u="none" strike="noStrike" cap="none">
-                <a:solidFill>
-                  <a:schemeClr val="lt1"/>
+              <a:rPr lang="en-US" sz="4000" b="0" i="0" u="none" strike="noStrike" cap="none" dirty="0">
+                <a:solidFill>
+                  <a:schemeClr val="bg2"/>
                 </a:solidFill>
                 <a:latin typeface="Cabin"/>
                 <a:ea typeface="Cabin"/>
@@ -24956,8 +25307,8 @@
         </p:nvSpPr>
         <p:spPr>
           <a:xfrm>
-            <a:off x="7950200" y="5726100"/>
-            <a:ext cx="8156400" cy="2339999"/>
+            <a:off x="7610986" y="5700329"/>
+            <a:ext cx="8645013" cy="2339999"/>
           </a:xfrm>
           <a:prstGeom prst="rect">
             <a:avLst/>
@@ -24991,9 +25342,9 @@
               <a:buNone/>
             </a:pPr>
             <a:r>
-              <a:rPr lang="en-US" sz="2400" b="0" i="0" u="none" strike="noStrike" cap="none">
-                <a:solidFill>
-                  <a:schemeClr val="lt1"/>
+              <a:rPr lang="en-US" sz="2400" b="0" i="0" u="none" strike="noStrike" cap="none" dirty="0">
+                <a:solidFill>
+                  <a:schemeClr val="bg2"/>
                 </a:solidFill>
                 <a:latin typeface="Courier New"/>
                 <a:ea typeface="Courier New"/>
@@ -25003,7 +25354,7 @@
               <a:t>&gt;&gt;&gt; </a:t>
             </a:r>
             <a:r>
-              <a:rPr lang="en-US" sz="2400" b="0" i="0" u="none" strike="noStrike" cap="none">
+              <a:rPr lang="en-US" sz="2400" b="0" i="0" u="none" strike="noStrike" cap="none" dirty="0">
                 <a:solidFill>
                   <a:srgbClr val="00FF00"/>
                 </a:solidFill>
@@ -25015,9 +25366,9 @@
               <a:t>friends</a:t>
             </a:r>
             <a:r>
-              <a:rPr lang="en-US" sz="2400" b="0" i="0" u="none" strike="noStrike" cap="none">
-                <a:solidFill>
-                  <a:schemeClr val="lt1"/>
+              <a:rPr lang="en-US" sz="2400" b="0" i="0" u="none" strike="noStrike" cap="none" dirty="0">
+                <a:solidFill>
+                  <a:schemeClr val="bg2"/>
                 </a:solidFill>
                 <a:latin typeface="Courier New"/>
                 <a:ea typeface="Courier New"/>
@@ -25027,7 +25378,7 @@
               <a:t> = </a:t>
             </a:r>
             <a:r>
-              <a:rPr lang="en-US" sz="2400" b="0" i="0" u="none" strike="noStrike" cap="none">
+              <a:rPr lang="en-US" sz="2400" b="0" i="0" u="none" strike="noStrike" cap="none" dirty="0">
                 <a:solidFill>
                   <a:srgbClr val="FF7F00"/>
                 </a:solidFill>
@@ -25038,6 +25389,15 @@
               </a:rPr>
               <a:t>[ 'Joseph', 'Glenn', 'Sally' ]</a:t>
             </a:r>
+            <a:endParaRPr lang="en-US" sz="2400" b="0" i="0" u="none" strike="noStrike" cap="none" dirty="0">
+              <a:solidFill>
+                <a:schemeClr val="bg2"/>
+              </a:solidFill>
+              <a:latin typeface="Courier New"/>
+              <a:ea typeface="Courier New"/>
+              <a:cs typeface="Courier New"/>
+              <a:sym typeface="Courier New"/>
+            </a:endParaRPr>
           </a:p>
           <a:p>
             <a:pPr marL="0" marR="0" lvl="0" indent="0" algn="l" rtl="0">
@@ -25058,43 +25418,19 @@
               <a:buNone/>
             </a:pPr>
             <a:r>
-              <a:rPr lang="en-US" sz="2400" b="0" i="0" u="none" strike="noStrike" cap="none">
-                <a:solidFill>
-                  <a:schemeClr val="lt1"/>
-                </a:solidFill>
-                <a:latin typeface="Courier New"/>
-                <a:ea typeface="Courier New"/>
-                <a:cs typeface="Courier New"/>
-                <a:sym typeface="Courier New"/>
-              </a:rPr>
-              <a:t>&gt;&gt;&gt; </a:t>
-            </a:r>
-            <a:r>
-              <a:rPr lang="en-US" sz="2400" b="0" i="0" u="none" strike="noStrike" cap="none">
-                <a:solidFill>
-                  <a:srgbClr val="FFFF00"/>
-                </a:solidFill>
-                <a:latin typeface="Courier New"/>
-                <a:ea typeface="Courier New"/>
-                <a:cs typeface="Courier New"/>
-                <a:sym typeface="Courier New"/>
-              </a:rPr>
-              <a:t>print</a:t>
-            </a:r>
-            <a:r>
-              <a:rPr lang="en-US" sz="2400" b="0" i="0" u="none" strike="noStrike" cap="none">
-                <a:solidFill>
-                  <a:schemeClr val="lt1"/>
-                </a:solidFill>
-                <a:latin typeface="Courier New"/>
-                <a:ea typeface="Courier New"/>
-                <a:cs typeface="Courier New"/>
-                <a:sym typeface="Courier New"/>
-              </a:rPr>
-              <a:t> </a:t>
-            </a:r>
-            <a:r>
-              <a:rPr lang="en-US" sz="2400" b="0" i="0" u="none" strike="noStrike" cap="none">
+              <a:rPr lang="en-US" sz="2400" b="0" i="0" u="none" strike="noStrike" cap="none" dirty="0">
+                <a:solidFill>
+                  <a:schemeClr val="bg2"/>
+                </a:solidFill>
+                <a:latin typeface="Courier New"/>
+                <a:ea typeface="Courier New"/>
+                <a:cs typeface="Courier New"/>
+                <a:sym typeface="Courier New"/>
+              </a:rPr>
+              <a:t>&gt;&gt;&gt; print </a:t>
+            </a:r>
+            <a:r>
+              <a:rPr lang="en-US" sz="2400" b="0" i="0" u="none" strike="noStrike" cap="none" dirty="0">
                 <a:solidFill>
                   <a:srgbClr val="00FF00"/>
                 </a:solidFill>
@@ -25106,7 +25442,7 @@
               <a:t>friends</a:t>
             </a:r>
             <a:r>
-              <a:rPr lang="en-US" sz="2400" b="0" i="0" u="none" strike="noStrike" cap="none">
+              <a:rPr lang="en-US" sz="2400" b="0" i="0" u="none" strike="noStrike" cap="none" dirty="0">
                 <a:solidFill>
                   <a:srgbClr val="00FFFF"/>
                 </a:solidFill>
@@ -25118,9 +25454,9 @@
               <a:t>[</a:t>
             </a:r>
             <a:r>
-              <a:rPr lang="en-US" sz="2400" b="0" i="0" u="none" strike="noStrike" cap="none">
-                <a:solidFill>
-                  <a:schemeClr val="lt1"/>
+              <a:rPr lang="en-US" sz="2400" b="0" i="0" u="none" strike="noStrike" cap="none" dirty="0">
+                <a:solidFill>
+                  <a:schemeClr val="bg2"/>
                 </a:solidFill>
                 <a:latin typeface="Courier New"/>
                 <a:ea typeface="Courier New"/>
@@ -25130,7 +25466,7 @@
               <a:t>1</a:t>
             </a:r>
             <a:r>
-              <a:rPr lang="en-US" sz="2400" b="0" i="0" u="none" strike="noStrike" cap="none">
+              <a:rPr lang="en-US" sz="2400" b="0" i="0" u="none" strike="noStrike" cap="none" dirty="0">
                 <a:solidFill>
                   <a:srgbClr val="00FFFF"/>
                 </a:solidFill>
@@ -25161,9 +25497,9 @@
               <a:buNone/>
             </a:pPr>
             <a:r>
-              <a:rPr lang="en-US" sz="2400" b="0" i="0" u="none" strike="noStrike" cap="none">
-                <a:solidFill>
-                  <a:schemeClr val="lt1"/>
+              <a:rPr lang="en-US" sz="2400" b="0" i="0" u="none" strike="noStrike" cap="none" dirty="0">
+                <a:solidFill>
+                  <a:schemeClr val="bg2"/>
                 </a:solidFill>
                 <a:latin typeface="Courier New"/>
                 <a:ea typeface="Courier New"/>
@@ -25192,7 +25528,7 @@
               <a:buNone/>
             </a:pPr>
             <a:r>
-              <a:rPr lang="en-US" sz="2400" b="0" i="0" u="none" strike="noStrike" cap="none">
+              <a:rPr lang="en-US" sz="2400" b="0" i="0" u="none" strike="noStrike" cap="none" dirty="0">
                 <a:solidFill>
                   <a:schemeClr val="lt1"/>
                 </a:solidFill>
@@ -25312,9 +25648,9 @@
               <a:buNone/>
             </a:pPr>
             <a:r>
-              <a:rPr lang="en-US" sz="4000" b="0" i="0" u="none" strike="noStrike" cap="none">
-                <a:solidFill>
-                  <a:schemeClr val="lt1"/>
+              <a:rPr lang="en-US" sz="4000" b="0" i="0" u="none" strike="noStrike" cap="none" dirty="0">
+                <a:solidFill>
+                  <a:schemeClr val="bg2"/>
                 </a:solidFill>
                 <a:latin typeface="Cabin"/>
                 <a:ea typeface="Cabin"/>
@@ -25432,9 +25768,9 @@
               <a:buNone/>
             </a:pPr>
             <a:r>
-              <a:rPr lang="en-US" sz="4000" b="0" i="0" u="none" strike="noStrike" cap="none">
-                <a:solidFill>
-                  <a:schemeClr val="lt1"/>
+              <a:rPr lang="en-US" sz="4000" b="0" i="0" u="none" strike="noStrike" cap="none" dirty="0">
+                <a:solidFill>
+                  <a:schemeClr val="bg2"/>
                 </a:solidFill>
                 <a:latin typeface="Cabin"/>
                 <a:ea typeface="Cabin"/>
@@ -44938,11 +45274,11 @@
   <p:clrMapOvr>
     <a:masterClrMapping/>
   </p:clrMapOvr>
-  <mc:AlternateContent xmlns:mc="http://schemas.openxmlformats.org/markup-compatibility/2006">
-    <mc:Choice xmlns:p14="http://schemas.microsoft.com/office/powerpoint/2010/main" Requires="p14">
+  <mc:AlternateContent xmlns:mc="http://schemas.openxmlformats.org/markup-compatibility/2006" xmlns:p14="http://schemas.microsoft.com/office/powerpoint/2010/main">
+    <mc:Choice Requires="p14">
       <p:transition spd="slow" p14:dur="2000"/>
     </mc:Choice>
-    <mc:Fallback>
+    <mc:Fallback xmlns="">
       <p:transition spd="slow"/>
     </mc:Fallback>
   </mc:AlternateContent>
